--- a/eProject Specification - HTML5 - UNIVERSAL_STATIONARY.pptx
+++ b/eProject Specification - HTML5 - UNIVERSAL_STATIONARY.pptx
@@ -6612,14 +6612,6 @@
               </a:rPr>
               <a:t>heckout</a:t>
             </a:r>
-            <a:endParaRPr lang="en-US" sz="2200" dirty="0" smtClean="0">
-              <a:solidFill>
-                <a:prstClr val="black">
-                  <a:lumMod val="85000"/>
-                  <a:lumOff val="15000"/>
-                </a:prstClr>
-              </a:solidFill>
-            </a:endParaRPr>
           </a:p>
           <a:p>
             <a:r>
@@ -6774,18 +6766,7 @@
                   </a:prstClr>
                 </a:solidFill>
               </a:rPr>
-              <a:t>Money </a:t>
-            </a:r>
-            <a:r>
-              <a:rPr lang="en-US" sz="2200" dirty="0" smtClean="0">
-                <a:solidFill>
-                  <a:prstClr val="black">
-                    <a:lumMod val="85000"/>
-                    <a:lumOff val="15000"/>
-                  </a:prstClr>
-                </a:solidFill>
-              </a:rPr>
-              <a:t>back.</a:t>
+              <a:t>Money back.</a:t>
             </a:r>
           </a:p>
           <a:p>
@@ -8131,7 +8112,6 @@
               <a:rPr lang="en-US" dirty="0" smtClean="0"/>
               <a:t>.</a:t>
             </a:r>
-            <a:endParaRPr lang="en-US" dirty="0" smtClean="0"/>
           </a:p>
           <a:p>
             <a:endParaRPr lang="en-US" dirty="0"/>
@@ -8596,10 +8576,10 @@
                   </a:prstClr>
                 </a:solidFill>
               </a:rPr>
-              <a:t>100</a:t>
-            </a:r>
-            <a:r>
-              <a:rPr lang="en-US" dirty="0">
+              <a:t>Money </a:t>
+            </a:r>
+            <a:r>
+              <a:rPr lang="en-US" dirty="0" smtClean="0">
                 <a:solidFill>
                   <a:prstClr val="black">
                     <a:lumMod val="85000"/>
@@ -8607,7 +8587,7 @@
                   </a:prstClr>
                 </a:solidFill>
               </a:rPr>
-              <a:t>% Money </a:t>
+              <a:t>back </a:t>
             </a:r>
             <a:r>
               <a:rPr lang="en-US" dirty="0" smtClean="0">
@@ -8618,10 +8598,10 @@
                   </a:prstClr>
                 </a:solidFill>
               </a:rPr>
-              <a:t>back : </a:t>
-            </a:r>
-            <a:r>
-              <a:rPr lang="en-US" dirty="0" err="1" smtClean="0">
+              <a:t>: </a:t>
+            </a:r>
+            <a:r>
+              <a:rPr lang="en-US" dirty="0" err="1">
                 <a:solidFill>
                   <a:prstClr val="black">
                     <a:lumMod val="85000"/>
@@ -8629,10 +8609,10 @@
                   </a:prstClr>
                 </a:solidFill>
               </a:rPr>
-              <a:t>trong</a:t>
-            </a:r>
-            <a:r>
-              <a:rPr lang="en-US" dirty="0" smtClean="0">
+              <a:t>H</a:t>
+            </a:r>
+            <a:r>
+              <a:rPr lang="en-US" dirty="0" err="1" smtClean="0">
                 <a:solidFill>
                   <a:prstClr val="black">
                     <a:lumMod val="85000"/>
@@ -8640,10 +8620,10 @@
                   </a:prstClr>
                 </a:solidFill>
               </a:rPr>
-              <a:t> </a:t>
-            </a:r>
-            <a:r>
-              <a:rPr lang="en-US" dirty="0" err="1" smtClean="0">
+              <a:t>oàn</a:t>
+            </a:r>
+            <a:r>
+              <a:rPr lang="en-US" dirty="0" smtClean="0">
                 <a:solidFill>
                   <a:prstClr val="black">
                     <a:lumMod val="85000"/>
@@ -8651,10 +8631,10 @@
                   </a:prstClr>
                 </a:solidFill>
               </a:rPr>
-              <a:t>vòng</a:t>
-            </a:r>
-            <a:r>
-              <a:rPr lang="en-US" dirty="0" smtClean="0">
+              <a:t> </a:t>
+            </a:r>
+            <a:r>
+              <a:rPr lang="en-US" dirty="0" err="1" smtClean="0">
                 <a:solidFill>
                   <a:prstClr val="black">
                     <a:lumMod val="85000"/>
@@ -8662,10 +8642,10 @@
                   </a:prstClr>
                 </a:solidFill>
               </a:rPr>
-              <a:t> 2 </a:t>
-            </a:r>
-            <a:r>
-              <a:rPr lang="en-US" dirty="0" err="1" smtClean="0">
+              <a:t>tiền</a:t>
+            </a:r>
+            <a:r>
+              <a:rPr lang="en-US" dirty="0" smtClean="0">
                 <a:solidFill>
                   <a:prstClr val="black">
                     <a:lumMod val="85000"/>
@@ -8673,7 +8653,205 @@
                   </a:prstClr>
                 </a:solidFill>
               </a:rPr>
+              <a:t> </a:t>
+            </a:r>
+            <a:r>
+              <a:rPr lang="en-US" dirty="0">
+                <a:solidFill>
+                  <a:prstClr val="black">
+                    <a:lumMod val="85000"/>
+                    <a:lumOff val="15000"/>
+                  </a:prstClr>
+                </a:solidFill>
+              </a:rPr>
+              <a:t>100% </a:t>
+            </a:r>
+            <a:r>
+              <a:rPr lang="en-US" dirty="0" err="1" smtClean="0">
+                <a:solidFill>
+                  <a:prstClr val="black">
+                    <a:lumMod val="85000"/>
+                    <a:lumOff val="15000"/>
+                  </a:prstClr>
+                </a:solidFill>
+              </a:rPr>
+              <a:t>trong</a:t>
+            </a:r>
+            <a:r>
+              <a:rPr lang="en-US" dirty="0" smtClean="0">
+                <a:solidFill>
+                  <a:prstClr val="black">
+                    <a:lumMod val="85000"/>
+                    <a:lumOff val="15000"/>
+                  </a:prstClr>
+                </a:solidFill>
+              </a:rPr>
+              <a:t> </a:t>
+            </a:r>
+            <a:r>
+              <a:rPr lang="en-US" dirty="0" err="1" smtClean="0">
+                <a:solidFill>
+                  <a:prstClr val="black">
+                    <a:lumMod val="85000"/>
+                    <a:lumOff val="15000"/>
+                  </a:prstClr>
+                </a:solidFill>
+              </a:rPr>
+              <a:t>vòng</a:t>
+            </a:r>
+            <a:r>
+              <a:rPr lang="en-US" dirty="0" smtClean="0">
+                <a:solidFill>
+                  <a:prstClr val="black">
+                    <a:lumMod val="85000"/>
+                    <a:lumOff val="15000"/>
+                  </a:prstClr>
+                </a:solidFill>
+              </a:rPr>
+              <a:t> 2 </a:t>
+            </a:r>
+            <a:r>
+              <a:rPr lang="en-US" dirty="0" err="1" smtClean="0">
+                <a:solidFill>
+                  <a:prstClr val="black">
+                    <a:lumMod val="85000"/>
+                    <a:lumOff val="15000"/>
+                  </a:prstClr>
+                </a:solidFill>
+              </a:rPr>
               <a:t>ngày</a:t>
+            </a:r>
+            <a:r>
+              <a:rPr lang="en-US" dirty="0" smtClean="0">
+                <a:solidFill>
+                  <a:prstClr val="black">
+                    <a:lumMod val="85000"/>
+                    <a:lumOff val="15000"/>
+                  </a:prstClr>
+                </a:solidFill>
+              </a:rPr>
+              <a:t> </a:t>
+            </a:r>
+            <a:r>
+              <a:rPr lang="en-US" dirty="0" err="1" smtClean="0">
+                <a:solidFill>
+                  <a:prstClr val="black">
+                    <a:lumMod val="85000"/>
+                    <a:lumOff val="15000"/>
+                  </a:prstClr>
+                </a:solidFill>
+              </a:rPr>
+              <a:t>nếu</a:t>
+            </a:r>
+            <a:r>
+              <a:rPr lang="en-US" dirty="0" smtClean="0">
+                <a:solidFill>
+                  <a:prstClr val="black">
+                    <a:lumMod val="85000"/>
+                    <a:lumOff val="15000"/>
+                  </a:prstClr>
+                </a:solidFill>
+              </a:rPr>
+              <a:t> </a:t>
+            </a:r>
+            <a:r>
+              <a:rPr lang="en-US" dirty="0" err="1" smtClean="0">
+                <a:solidFill>
+                  <a:prstClr val="black">
+                    <a:lumMod val="85000"/>
+                    <a:lumOff val="15000"/>
+                  </a:prstClr>
+                </a:solidFill>
+              </a:rPr>
+              <a:t>sản</a:t>
+            </a:r>
+            <a:r>
+              <a:rPr lang="en-US" dirty="0" smtClean="0">
+                <a:solidFill>
+                  <a:prstClr val="black">
+                    <a:lumMod val="85000"/>
+                    <a:lumOff val="15000"/>
+                  </a:prstClr>
+                </a:solidFill>
+              </a:rPr>
+              <a:t> </a:t>
+            </a:r>
+            <a:r>
+              <a:rPr lang="en-US" dirty="0" err="1" smtClean="0">
+                <a:solidFill>
+                  <a:prstClr val="black">
+                    <a:lumMod val="85000"/>
+                    <a:lumOff val="15000"/>
+                  </a:prstClr>
+                </a:solidFill>
+              </a:rPr>
+              <a:t>phẩm</a:t>
+            </a:r>
+            <a:r>
+              <a:rPr lang="en-US" dirty="0" smtClean="0">
+                <a:solidFill>
+                  <a:prstClr val="black">
+                    <a:lumMod val="85000"/>
+                    <a:lumOff val="15000"/>
+                  </a:prstClr>
+                </a:solidFill>
+              </a:rPr>
+              <a:t> </a:t>
+            </a:r>
+            <a:r>
+              <a:rPr lang="en-US" dirty="0" err="1" smtClean="0">
+                <a:solidFill>
+                  <a:prstClr val="black">
+                    <a:lumMod val="85000"/>
+                    <a:lumOff val="15000"/>
+                  </a:prstClr>
+                </a:solidFill>
+              </a:rPr>
+              <a:t>bị</a:t>
+            </a:r>
+            <a:r>
+              <a:rPr lang="en-US" dirty="0" smtClean="0">
+                <a:solidFill>
+                  <a:prstClr val="black">
+                    <a:lumMod val="85000"/>
+                    <a:lumOff val="15000"/>
+                  </a:prstClr>
+                </a:solidFill>
+              </a:rPr>
+              <a:t> </a:t>
+            </a:r>
+            <a:r>
+              <a:rPr lang="en-US" dirty="0" err="1" smtClean="0">
+                <a:solidFill>
+                  <a:prstClr val="black">
+                    <a:lumMod val="85000"/>
+                    <a:lumOff val="15000"/>
+                  </a:prstClr>
+                </a:solidFill>
+              </a:rPr>
+              <a:t>lỗi</a:t>
+            </a:r>
+            <a:r>
+              <a:rPr lang="en-US" dirty="0" smtClean="0">
+                <a:solidFill>
+                  <a:prstClr val="black">
+                    <a:lumMod val="85000"/>
+                    <a:lumOff val="15000"/>
+                  </a:prstClr>
+                </a:solidFill>
+              </a:rPr>
+              <a:t> </a:t>
+            </a:r>
+            <a:r>
+              <a:rPr lang="en-US" dirty="0" err="1" smtClean="0">
+                <a:solidFill>
+                  <a:prstClr val="black">
+                    <a:lumMod val="85000"/>
+                    <a:lumOff val="15000"/>
+                  </a:prstClr>
+                </a:solidFill>
+              </a:rPr>
+              <a:t>hỏng</a:t>
             </a:r>
             <a:endParaRPr lang="en-US" dirty="0" smtClean="0">
               <a:solidFill>
